--- a/classes/Aula_04_AEs.pptx
+++ b/classes/Aula_04_AEs.pptx
@@ -14770,7 +14770,7 @@
             </a:r>
             <a:r>
               <a:rPr b="1" i="1"/>
-              <a:t>Autoenconder (SAEs)</a:t>
+              <a:t>Autoenconders (SAEs)</a:t>
             </a:r>
             <a:r>
               <a:t> ou </a:t>
